--- a/EXECUTIVE SUMMARY.pptx
+++ b/EXECUTIVE SUMMARY.pptx
@@ -6,14 +6,13 @@
   </p:sldMasterIdLst>
   <p:sldIdLst>
     <p:sldId id="256" r:id="rId2"/>
-    <p:sldId id="257" r:id="rId3"/>
-    <p:sldId id="258" r:id="rId4"/>
-    <p:sldId id="259" r:id="rId5"/>
-    <p:sldId id="264" r:id="rId6"/>
-    <p:sldId id="260" r:id="rId7"/>
-    <p:sldId id="261" r:id="rId8"/>
-    <p:sldId id="262" r:id="rId9"/>
-    <p:sldId id="263" r:id="rId10"/>
+    <p:sldId id="265" r:id="rId3"/>
+    <p:sldId id="257" r:id="rId4"/>
+    <p:sldId id="266" r:id="rId5"/>
+    <p:sldId id="260" r:id="rId6"/>
+    <p:sldId id="261" r:id="rId7"/>
+    <p:sldId id="262" r:id="rId8"/>
+    <p:sldId id="263" r:id="rId9"/>
   </p:sldIdLst>
   <p:sldSz cx="12192000" cy="6858000"/>
   <p:notesSz cx="6858000" cy="9144000"/>
@@ -112,6 +111,43 @@
       </a:defRPr>
     </a:lvl9pPr>
   </p:defaultTextStyle>
+  <p:extLst>
+    <p:ext uri="{521415D9-36F7-43E2-AB2F-B90AF26B5E84}">
+      <p14:sectionLst xmlns:p14="http://schemas.microsoft.com/office/powerpoint/2010/main">
+        <p14:section name="Introduction" id="{772E79E1-32DD-4994-BFBF-7F2A45960B25}">
+          <p14:sldIdLst>
+            <p14:sldId id="256"/>
+          </p14:sldIdLst>
+        </p14:section>
+        <p14:section name="Distribution" id="{B4485BD1-2645-4D51-9F42-197C459EF877}">
+          <p14:sldIdLst>
+            <p14:sldId id="265"/>
+            <p14:sldId id="257"/>
+          </p14:sldIdLst>
+        </p14:section>
+        <p14:section name="Infection &amp; Death Rate" id="{275A6FEF-A44D-4A68-A728-E1F4F7ECD24C}">
+          <p14:sldIdLst>
+            <p14:sldId id="266"/>
+            <p14:sldId id="260"/>
+            <p14:sldId id="261"/>
+          </p14:sldIdLst>
+        </p14:section>
+        <p14:section name="COVID and the Economy" id="{C760F29C-5E03-49B7-81F7-E6D1288FA298}">
+          <p14:sldIdLst>
+            <p14:sldId id="262"/>
+          </p14:sldIdLst>
+        </p14:section>
+        <p14:section name="Conclusion" id="{70C1BF6C-5DC4-488C-9944-F3113C5B4FC6}">
+          <p14:sldIdLst>
+            <p14:sldId id="263"/>
+          </p14:sldIdLst>
+        </p14:section>
+      </p14:sectionLst>
+    </p:ext>
+    <p:ext uri="{EFAFB233-063F-42B5-8137-9DF3F51BA10A}">
+      <p15:sldGuideLst xmlns:p15="http://schemas.microsoft.com/office/powerpoint/2012/main"/>
+    </p:ext>
+  </p:extLst>
 </p:presentation>
 </file>
 
@@ -266,7 +302,7 @@
           <a:p>
             <a:fld id="{48A87A34-81AB-432B-8DAE-1953F412C126}" type="datetimeFigureOut">
               <a:rPr lang="en-US" dirty="0"/>
-              <a:t>11/15/2022</a:t>
+              <a:t>11/24/2022</a:t>
             </a:fld>
             <a:endParaRPr lang="en-US" dirty="0"/>
           </a:p>
@@ -441,7 +477,7 @@
           <a:p>
             <a:fld id="{48A87A34-81AB-432B-8DAE-1953F412C126}" type="datetimeFigureOut">
               <a:rPr lang="en-US" dirty="0"/>
-              <a:t>11/15/2022</a:t>
+              <a:t>11/24/2022</a:t>
             </a:fld>
             <a:endParaRPr lang="en-US" dirty="0"/>
           </a:p>
@@ -620,7 +656,7 @@
           <a:p>
             <a:fld id="{48A87A34-81AB-432B-8DAE-1953F412C126}" type="datetimeFigureOut">
               <a:rPr lang="en-US" dirty="0"/>
-              <a:t>11/15/2022</a:t>
+              <a:t>11/24/2022</a:t>
             </a:fld>
             <a:endParaRPr lang="en-US" dirty="0"/>
           </a:p>
@@ -785,7 +821,7 @@
           <a:p>
             <a:fld id="{48A87A34-81AB-432B-8DAE-1953F412C126}" type="datetimeFigureOut">
               <a:rPr lang="en-US" dirty="0"/>
-              <a:t>11/15/2022</a:t>
+              <a:t>11/24/2022</a:t>
             </a:fld>
             <a:endParaRPr lang="en-US" dirty="0"/>
           </a:p>
@@ -1028,7 +1064,7 @@
           <a:p>
             <a:fld id="{48A87A34-81AB-432B-8DAE-1953F412C126}" type="datetimeFigureOut">
               <a:rPr lang="en-US" dirty="0"/>
-              <a:t>11/15/2022</a:t>
+              <a:t>11/24/2022</a:t>
             </a:fld>
             <a:endParaRPr lang="en-US" dirty="0"/>
           </a:p>
@@ -1260,7 +1296,7 @@
           <a:p>
             <a:fld id="{48A87A34-81AB-432B-8DAE-1953F412C126}" type="datetimeFigureOut">
               <a:rPr lang="en-US" dirty="0"/>
-              <a:t>11/15/2022</a:t>
+              <a:t>11/24/2022</a:t>
             </a:fld>
             <a:endParaRPr lang="en-US" dirty="0"/>
           </a:p>
@@ -1640,7 +1676,7 @@
           <a:p>
             <a:fld id="{48A87A34-81AB-432B-8DAE-1953F412C126}" type="datetimeFigureOut">
               <a:rPr lang="en-US" dirty="0"/>
-              <a:t>11/15/2022</a:t>
+              <a:t>11/24/2022</a:t>
             </a:fld>
             <a:endParaRPr lang="en-US" dirty="0"/>
           </a:p>
@@ -1753,7 +1789,7 @@
           <a:p>
             <a:fld id="{48A87A34-81AB-432B-8DAE-1953F412C126}" type="datetimeFigureOut">
               <a:rPr lang="en-US" dirty="0"/>
-              <a:t>11/15/2022</a:t>
+              <a:t>11/24/2022</a:t>
             </a:fld>
             <a:endParaRPr lang="en-US" dirty="0"/>
           </a:p>
@@ -1843,7 +1879,7 @@
           <a:p>
             <a:fld id="{48A87A34-81AB-432B-8DAE-1953F412C126}" type="datetimeFigureOut">
               <a:rPr lang="en-US" dirty="0"/>
-              <a:t>11/15/2022</a:t>
+              <a:t>11/24/2022</a:t>
             </a:fld>
             <a:endParaRPr lang="en-US" dirty="0"/>
           </a:p>
@@ -2089,7 +2125,7 @@
           <a:p>
             <a:fld id="{48A87A34-81AB-432B-8DAE-1953F412C126}" type="datetimeFigureOut">
               <a:rPr lang="en-US" dirty="0"/>
-              <a:t>11/15/2022</a:t>
+              <a:t>11/24/2022</a:t>
             </a:fld>
             <a:endParaRPr lang="en-US" dirty="0"/>
           </a:p>
@@ -2476,7 +2512,7 @@
             <a:fld id="{48A87A34-81AB-432B-8DAE-1953F412C126}" type="datetimeFigureOut">
               <a:rPr lang="en-US" dirty="0"/>
               <a:pPr/>
-              <a:t>11/15/2022</a:t>
+              <a:t>11/24/2022</a:t>
             </a:fld>
             <a:endParaRPr lang="en-US" dirty="0"/>
           </a:p>
@@ -2690,7 +2726,7 @@
             <a:fld id="{48A87A34-81AB-432B-8DAE-1953F412C126}" type="datetimeFigureOut">
               <a:rPr lang="en-US" dirty="0"/>
               <a:pPr/>
-              <a:t>11/15/2022</a:t>
+              <a:t>11/24/2022</a:t>
             </a:fld>
             <a:endParaRPr lang="en-US" dirty="0"/>
           </a:p>
@@ -3368,6 +3404,30 @@
 <file path=ppt/slides/slide2.xml><?xml version="1.0" encoding="utf-8"?>
 <p:sld xmlns:a="http://schemas.openxmlformats.org/drawingml/2006/main" xmlns:r="http://schemas.openxmlformats.org/officeDocument/2006/relationships" xmlns:p="http://schemas.openxmlformats.org/presentationml/2006/main">
   <p:cSld>
+    <p:bg>
+      <p:bgPr>
+        <a:gradFill>
+          <a:gsLst>
+            <a:gs pos="0">
+              <a:schemeClr val="bg1">
+                <a:tint val="94000"/>
+                <a:satMod val="80000"/>
+                <a:lumMod val="106000"/>
+              </a:schemeClr>
+            </a:gs>
+            <a:gs pos="100000">
+              <a:schemeClr val="bg1">
+                <a:shade val="80000"/>
+              </a:schemeClr>
+            </a:gs>
+          </a:gsLst>
+          <a:path path="circle">
+            <a:fillToRect l="50000" t="50000" r="50000" b="50000"/>
+          </a:path>
+        </a:gradFill>
+        <a:effectLst/>
+      </p:bgPr>
+    </p:bg>
     <p:spTree>
       <p:nvGrpSpPr>
         <p:cNvPr id="1" name=""/>
@@ -3387,7 +3447,7 @@
           <p:cNvPr id="2" name="Title 1">
             <a:extLst>
               <a:ext uri="{FF2B5EF4-FFF2-40B4-BE49-F238E27FC236}">
-                <a16:creationId xmlns:a16="http://schemas.microsoft.com/office/drawing/2014/main" id="{6B891CB3-CCB4-65AF-AE72-AC940FADBD64}"/>
+                <a16:creationId xmlns:a16="http://schemas.microsoft.com/office/drawing/2014/main" id="{766EFCCA-6D32-7424-AB25-CEFADA6C792F}"/>
               </a:ext>
             </a:extLst>
           </p:cNvPr>
@@ -3400,7 +3460,7 @@
         </p:nvSpPr>
         <p:spPr>
           <a:xfrm>
-            <a:off x="1450392" y="279902"/>
+            <a:off x="1564121" y="241812"/>
             <a:ext cx="9291215" cy="1049235"/>
           </a:xfrm>
         </p:spPr>
@@ -3410,45 +3470,105 @@
           <a:p>
             <a:r>
               <a:rPr lang="en-GB" dirty="0"/>
-              <a:t>Top 10 states with confirmed cases</a:t>
+              <a:t>COVID DISTRIBUTION</a:t>
             </a:r>
             <a:endParaRPr lang="en-NG" dirty="0"/>
           </a:p>
         </p:txBody>
       </p:sp>
-      <p:pic>
-        <p:nvPicPr>
-          <p:cNvPr id="5" name="Content Placeholder 4">
+      <p:sp>
+        <p:nvSpPr>
+          <p:cNvPr id="3" name="Content Placeholder 2">
             <a:extLst>
               <a:ext uri="{FF2B5EF4-FFF2-40B4-BE49-F238E27FC236}">
-                <a16:creationId xmlns:a16="http://schemas.microsoft.com/office/drawing/2014/main" id="{245A40E9-46FC-FCC5-F67B-9F2A17C5551B}"/>
+                <a16:creationId xmlns:a16="http://schemas.microsoft.com/office/drawing/2014/main" id="{C1D633FD-37A7-185E-3EB4-590CD2B3ADBF}"/>
               </a:ext>
             </a:extLst>
           </p:cNvPr>
-          <p:cNvPicPr>
-            <a:picLocks noGrp="1" noChangeAspect="1"/>
-          </p:cNvPicPr>
+          <p:cNvSpPr>
+            <a:spLocks noGrp="1"/>
+          </p:cNvSpPr>
           <p:nvPr>
             <p:ph idx="1"/>
           </p:nvPr>
-        </p:nvPicPr>
-        <p:blipFill>
-          <a:blip r:embed="rId2"/>
-          <a:stretch>
-            <a:fillRect/>
-          </a:stretch>
-        </p:blipFill>
+        </p:nvSpPr>
         <p:spPr>
           <a:xfrm>
-            <a:off x="2688379" y="1329137"/>
-            <a:ext cx="6815242" cy="4711445"/>
+            <a:off x="1564121" y="1461549"/>
+            <a:ext cx="9291215" cy="3934902"/>
           </a:xfrm>
         </p:spPr>
-      </p:pic>
+        <p:txBody>
+          <a:bodyPr>
+            <a:normAutofit fontScale="92500" lnSpcReduction="10000"/>
+          </a:bodyPr>
+          <a:lstStyle/>
+          <a:p>
+            <a:r>
+              <a:rPr lang="en-GB" sz="2000" dirty="0">
+                <a:hlinkClick r:id="rId2" action="ppaction://hlinksldjump"/>
+              </a:rPr>
+              <a:t>Lagos State was the most affected by </a:t>
+            </a:r>
+            <a:r>
+              <a:rPr lang="en-GB" dirty="0">
+                <a:hlinkClick r:id="rId2" action="ppaction://hlinksldjump"/>
+              </a:rPr>
+              <a:t>COVID with</a:t>
+            </a:r>
+            <a:r>
+              <a:rPr lang="en-GB" sz="2000" dirty="0">
+                <a:hlinkClick r:id="rId2" action="ppaction://hlinksldjump"/>
+              </a:rPr>
+              <a:t> the highest number of </a:t>
+            </a:r>
+            <a:r>
+              <a:rPr lang="en-GB" dirty="0">
+                <a:hlinkClick r:id="rId2" action="ppaction://hlinksldjump"/>
+              </a:rPr>
+              <a:t>confirmed</a:t>
+            </a:r>
+            <a:r>
+              <a:rPr lang="en-GB" sz="2000" dirty="0">
+                <a:hlinkClick r:id="rId2" action="ppaction://hlinksldjump"/>
+              </a:rPr>
+              <a:t> cases (104,157) which is more than 3 and a half times the second highest, Kano State and also holds the highest number of deaths(771).</a:t>
+            </a:r>
+            <a:endParaRPr lang="en-GB" sz="2000" dirty="0"/>
+          </a:p>
+          <a:p>
+            <a:r>
+              <a:rPr lang="en-GB" dirty="0"/>
+              <a:t>There were over a quarter million confirmed COVID cases nationwide(266,138) and 3155 deaths</a:t>
+            </a:r>
+          </a:p>
+          <a:p>
+            <a:r>
+              <a:rPr lang="en-GB" dirty="0"/>
+              <a:t>Kogi State had the lowest number of confirmed cases(5) and deaths(2)</a:t>
+            </a:r>
+          </a:p>
+          <a:p>
+            <a:r>
+              <a:rPr lang="en-GB" dirty="0"/>
+              <a:t>3% of the infected patients die on average</a:t>
+            </a:r>
+          </a:p>
+          <a:p>
+            <a:r>
+              <a:rPr lang="en-GB" dirty="0"/>
+              <a:t>Higher population density regions get more infections but have a slightly lower death rate which gives a possibility that herd immunity with some modifications could be a solution to the pandemic.</a:t>
+            </a:r>
+          </a:p>
+          <a:p>
+            <a:endParaRPr lang="en-NG" dirty="0"/>
+          </a:p>
+        </p:txBody>
+      </p:sp>
     </p:spTree>
     <p:extLst>
       <p:ext uri="{BB962C8B-B14F-4D97-AF65-F5344CB8AC3E}">
-        <p14:creationId xmlns:p14="http://schemas.microsoft.com/office/powerpoint/2010/main" val="4114591944"/>
+        <p14:creationId xmlns:p14="http://schemas.microsoft.com/office/powerpoint/2010/main" val="1625517090"/>
       </p:ext>
     </p:extLst>
   </p:cSld>
@@ -3475,46 +3595,12 @@
           <a:chExt cx="0" cy="0"/>
         </a:xfrm>
       </p:grpSpPr>
-      <p:sp>
-        <p:nvSpPr>
-          <p:cNvPr id="2" name="Title 1">
-            <a:extLst>
-              <a:ext uri="{FF2B5EF4-FFF2-40B4-BE49-F238E27FC236}">
-                <a16:creationId xmlns:a16="http://schemas.microsoft.com/office/drawing/2014/main" id="{0AE4719B-52B2-1275-7B0F-1E600999C1ED}"/>
-              </a:ext>
-            </a:extLst>
-          </p:cNvPr>
-          <p:cNvSpPr>
-            <a:spLocks noGrp="1"/>
-          </p:cNvSpPr>
-          <p:nvPr>
-            <p:ph type="title"/>
-          </p:nvPr>
-        </p:nvSpPr>
-        <p:spPr>
-          <a:xfrm>
-            <a:off x="1450392" y="458155"/>
-            <a:ext cx="9291215" cy="1049235"/>
-          </a:xfrm>
-        </p:spPr>
-        <p:txBody>
-          <a:bodyPr/>
-          <a:lstStyle/>
-          <a:p>
-            <a:r>
-              <a:rPr lang="en-GB" dirty="0"/>
-              <a:t>TOP 10 STATES WITH COVID DEATHS</a:t>
-            </a:r>
-            <a:endParaRPr lang="en-NG" dirty="0"/>
-          </a:p>
-        </p:txBody>
-      </p:sp>
       <p:pic>
         <p:nvPicPr>
           <p:cNvPr id="5" name="Content Placeholder 4">
             <a:extLst>
               <a:ext uri="{FF2B5EF4-FFF2-40B4-BE49-F238E27FC236}">
-                <a16:creationId xmlns:a16="http://schemas.microsoft.com/office/drawing/2014/main" id="{BBB5A73F-CA11-92C8-1D28-F9F7F3AD453E}"/>
+                <a16:creationId xmlns:a16="http://schemas.microsoft.com/office/drawing/2014/main" id="{245A40E9-46FC-FCC5-F67B-9F2A17C5551B}"/>
               </a:ext>
             </a:extLst>
           </p:cNvPr>
@@ -3522,26 +3608,53 @@
             <a:picLocks noGrp="1" noChangeAspect="1"/>
           </p:cNvPicPr>
           <p:nvPr>
-            <p:ph idx="1"/>
+            <p:ph sz="half" idx="1"/>
           </p:nvPr>
         </p:nvPicPr>
         <p:blipFill>
           <a:blip r:embed="rId2"/>
+          <a:stretch/>
+        </p:blipFill>
+        <p:spPr>
+          <a:xfrm>
+            <a:off x="211014" y="1153551"/>
+            <a:ext cx="5724649" cy="4125415"/>
+          </a:xfrm>
+        </p:spPr>
+      </p:pic>
+      <p:pic>
+        <p:nvPicPr>
+          <p:cNvPr id="6" name="Content Placeholder 5">
+            <a:extLst>
+              <a:ext uri="{FF2B5EF4-FFF2-40B4-BE49-F238E27FC236}">
+                <a16:creationId xmlns:a16="http://schemas.microsoft.com/office/drawing/2014/main" id="{708FD654-AC2C-1AA0-D32F-A77580688BC3}"/>
+              </a:ext>
+            </a:extLst>
+          </p:cNvPr>
+          <p:cNvPicPr>
+            <a:picLocks noGrp="1" noChangeAspect="1"/>
+          </p:cNvPicPr>
+          <p:nvPr>
+            <p:ph sz="half" idx="2"/>
+          </p:nvPr>
+        </p:nvPicPr>
+        <p:blipFill>
+          <a:blip r:embed="rId3"/>
           <a:stretch>
             <a:fillRect/>
           </a:stretch>
         </p:blipFill>
         <p:spPr>
           <a:xfrm>
-            <a:off x="2712966" y="1507390"/>
-            <a:ext cx="6766067" cy="4547046"/>
+            <a:off x="6096000" y="1165640"/>
+            <a:ext cx="6039349" cy="4113326"/>
           </a:xfrm>
         </p:spPr>
       </p:pic>
     </p:spTree>
     <p:extLst>
       <p:ext uri="{BB962C8B-B14F-4D97-AF65-F5344CB8AC3E}">
-        <p14:creationId xmlns:p14="http://schemas.microsoft.com/office/powerpoint/2010/main" val="337436733"/>
+        <p14:creationId xmlns:p14="http://schemas.microsoft.com/office/powerpoint/2010/main" val="4114591944"/>
       </p:ext>
     </p:extLst>
   </p:cSld>
@@ -3570,10 +3683,10 @@
       </p:grpSpPr>
       <p:sp>
         <p:nvSpPr>
-          <p:cNvPr id="2" name="Title 1">
+          <p:cNvPr id="5" name="Title 4">
             <a:extLst>
               <a:ext uri="{FF2B5EF4-FFF2-40B4-BE49-F238E27FC236}">
-                <a16:creationId xmlns:a16="http://schemas.microsoft.com/office/drawing/2014/main" id="{D01103FF-FEBD-C671-5E2B-8B168EF24028}"/>
+                <a16:creationId xmlns:a16="http://schemas.microsoft.com/office/drawing/2014/main" id="{54116454-5518-4C52-71D3-BCEFE5861B40}"/>
               </a:ext>
             </a:extLst>
           </p:cNvPr>
@@ -3584,57 +3697,82 @@
             <p:ph type="title"/>
           </p:nvPr>
         </p:nvSpPr>
-        <p:spPr>
-          <a:xfrm>
-            <a:off x="1450392" y="388883"/>
-            <a:ext cx="9291215" cy="1049235"/>
-          </a:xfrm>
-        </p:spPr>
+        <p:spPr/>
         <p:txBody>
           <a:bodyPr/>
           <a:lstStyle/>
           <a:p>
             <a:r>
               <a:rPr lang="en-GB" dirty="0"/>
-              <a:t>TOP 10 STATES WITH DISCHARGED PATIENTS</a:t>
+              <a:t>Infection AND DEATH RATE</a:t>
             </a:r>
             <a:endParaRPr lang="en-NG" dirty="0"/>
           </a:p>
         </p:txBody>
       </p:sp>
-      <p:pic>
-        <p:nvPicPr>
-          <p:cNvPr id="5" name="Content Placeholder 4">
+      <p:sp>
+        <p:nvSpPr>
+          <p:cNvPr id="6" name="Content Placeholder 5">
             <a:extLst>
               <a:ext uri="{FF2B5EF4-FFF2-40B4-BE49-F238E27FC236}">
-                <a16:creationId xmlns:a16="http://schemas.microsoft.com/office/drawing/2014/main" id="{A98BAA98-1A08-5085-BBBA-3D984EB63847}"/>
+                <a16:creationId xmlns:a16="http://schemas.microsoft.com/office/drawing/2014/main" id="{5C633E1B-E9DF-BF6B-A8FC-5D3D7602E19B}"/>
               </a:ext>
             </a:extLst>
           </p:cNvPr>
-          <p:cNvPicPr>
-            <a:picLocks noGrp="1" noChangeAspect="1"/>
-          </p:cNvPicPr>
+          <p:cNvSpPr>
+            <a:spLocks noGrp="1"/>
+          </p:cNvSpPr>
           <p:nvPr>
             <p:ph idx="1"/>
           </p:nvPr>
-        </p:nvPicPr>
-        <p:blipFill>
-          <a:blip r:embed="rId2"/>
-          <a:stretch>
-            <a:fillRect/>
-          </a:stretch>
-        </p:blipFill>
-        <p:spPr>
-          <a:xfrm>
-            <a:off x="2382982" y="1438118"/>
-            <a:ext cx="7426036" cy="4491627"/>
-          </a:xfrm>
-        </p:spPr>
-      </p:pic>
+        </p:nvSpPr>
+        <p:spPr/>
+        <p:txBody>
+          <a:bodyPr/>
+          <a:lstStyle/>
+          <a:p>
+            <a:r>
+              <a:rPr lang="en-GB" dirty="0"/>
+              <a:t>22</a:t>
+            </a:r>
+            <a:r>
+              <a:rPr lang="en-GB" baseline="30000" dirty="0"/>
+              <a:t>nd</a:t>
+            </a:r>
+            <a:r>
+              <a:rPr lang="en-GB" dirty="0"/>
+              <a:t> December, 2021 holds the highest number of infections with 6158 new COVID cases in Nigeria.</a:t>
+            </a:r>
+          </a:p>
+          <a:p>
+            <a:r>
+              <a:rPr lang="en-GB" dirty="0"/>
+              <a:t>29</a:t>
+            </a:r>
+            <a:r>
+              <a:rPr lang="en-GB" baseline="30000" dirty="0"/>
+              <a:t>th</a:t>
+            </a:r>
+            <a:r>
+              <a:rPr lang="en-GB" dirty="0"/>
+              <a:t> August, 2021 holds the highest number of deaths with 93 deaths in a single day in Nigeria.</a:t>
+            </a:r>
+          </a:p>
+          <a:p>
+            <a:r>
+              <a:rPr lang="en-GB" dirty="0"/>
+              <a:t>The elderly are by far more likely to require acute care after infection</a:t>
+            </a:r>
+          </a:p>
+          <a:p>
+            <a:endParaRPr lang="en-NG" dirty="0"/>
+          </a:p>
+        </p:txBody>
+      </p:sp>
     </p:spTree>
     <p:extLst>
       <p:ext uri="{BB962C8B-B14F-4D97-AF65-F5344CB8AC3E}">
-        <p14:creationId xmlns:p14="http://schemas.microsoft.com/office/powerpoint/2010/main" val="799890705"/>
+        <p14:creationId xmlns:p14="http://schemas.microsoft.com/office/powerpoint/2010/main" val="1817909747"/>
       </p:ext>
     </p:extLst>
   </p:cSld>
@@ -3666,7 +3804,7 @@
           <p:cNvPr id="2" name="Title 1">
             <a:extLst>
               <a:ext uri="{FF2B5EF4-FFF2-40B4-BE49-F238E27FC236}">
-                <a16:creationId xmlns:a16="http://schemas.microsoft.com/office/drawing/2014/main" id="{D01103FF-FEBD-C671-5E2B-8B168EF24028}"/>
+                <a16:creationId xmlns:a16="http://schemas.microsoft.com/office/drawing/2014/main" id="{3B2A3923-61A1-1BAC-1ADB-3CB468054012}"/>
               </a:ext>
             </a:extLst>
           </p:cNvPr>
@@ -3679,7 +3817,7 @@
         </p:nvSpPr>
         <p:spPr>
           <a:xfrm>
-            <a:off x="1450392" y="388883"/>
+            <a:off x="1475086" y="352467"/>
             <a:ext cx="9291215" cy="1049235"/>
           </a:xfrm>
         </p:spPr>
@@ -3689,7 +3827,7 @@
           <a:p>
             <a:r>
               <a:rPr lang="en-GB" dirty="0"/>
-              <a:t>THE 10 LEAST AFFECTED STATES</a:t>
+              <a:t>DAILY INFECTION RATE</a:t>
             </a:r>
             <a:endParaRPr lang="en-NG" dirty="0"/>
           </a:p>
@@ -3697,10 +3835,10 @@
       </p:sp>
       <p:pic>
         <p:nvPicPr>
-          <p:cNvPr id="7" name="Content Placeholder 6">
+          <p:cNvPr id="5" name="Content Placeholder 4">
             <a:extLst>
               <a:ext uri="{FF2B5EF4-FFF2-40B4-BE49-F238E27FC236}">
-                <a16:creationId xmlns:a16="http://schemas.microsoft.com/office/drawing/2014/main" id="{4C74158C-73F9-E41D-F81A-DBB9F8E38118}"/>
+                <a16:creationId xmlns:a16="http://schemas.microsoft.com/office/drawing/2014/main" id="{E5018C89-46CE-5747-21A7-0C0DC4BBADA6}"/>
               </a:ext>
             </a:extLst>
           </p:cNvPr>
@@ -3713,21 +3851,20 @@
         </p:nvPicPr>
         <p:blipFill>
           <a:blip r:embed="rId2"/>
-          <a:stretch>
-            <a:fillRect/>
-          </a:stretch>
+          <a:srcRect/>
+          <a:stretch/>
         </p:blipFill>
         <p:spPr>
           <a:xfrm>
-            <a:off x="1488393" y="1438118"/>
-            <a:ext cx="9215211" cy="4408500"/>
+            <a:off x="1425699" y="1401701"/>
+            <a:ext cx="9300391" cy="4492661"/>
           </a:xfrm>
         </p:spPr>
       </p:pic>
     </p:spTree>
     <p:extLst>
       <p:ext uri="{BB962C8B-B14F-4D97-AF65-F5344CB8AC3E}">
-        <p14:creationId xmlns:p14="http://schemas.microsoft.com/office/powerpoint/2010/main" val="1583561585"/>
+        <p14:creationId xmlns:p14="http://schemas.microsoft.com/office/powerpoint/2010/main" val="2851829466"/>
       </p:ext>
     </p:extLst>
   </p:cSld>
@@ -3772,7 +3909,7 @@
         </p:nvSpPr>
         <p:spPr>
           <a:xfrm>
-            <a:off x="1450392" y="167210"/>
+            <a:off x="1564120" y="368421"/>
             <a:ext cx="9291215" cy="1049235"/>
           </a:xfrm>
         </p:spPr>
@@ -3782,7 +3919,7 @@
           <a:p>
             <a:r>
               <a:rPr lang="en-GB" dirty="0"/>
-              <a:t>DAILY INFECTION RATE</a:t>
+              <a:t>Death rate</a:t>
             </a:r>
             <a:endParaRPr lang="en-NG" dirty="0"/>
           </a:p>
@@ -3790,10 +3927,10 @@
       </p:sp>
       <p:pic>
         <p:nvPicPr>
-          <p:cNvPr id="5" name="Content Placeholder 4">
+          <p:cNvPr id="7" name="Content Placeholder 6">
             <a:extLst>
               <a:ext uri="{FF2B5EF4-FFF2-40B4-BE49-F238E27FC236}">
-                <a16:creationId xmlns:a16="http://schemas.microsoft.com/office/drawing/2014/main" id="{E5018C89-46CE-5747-21A7-0C0DC4BBADA6}"/>
+                <a16:creationId xmlns:a16="http://schemas.microsoft.com/office/drawing/2014/main" id="{9626A8D9-4189-76BD-C278-48EBEB5AAD10}"/>
               </a:ext>
             </a:extLst>
           </p:cNvPr>
@@ -3806,21 +3943,20 @@
         </p:nvPicPr>
         <p:blipFill>
           <a:blip r:embed="rId2"/>
-          <a:stretch>
-            <a:fillRect/>
-          </a:stretch>
+          <a:srcRect/>
+          <a:stretch/>
         </p:blipFill>
         <p:spPr>
           <a:xfrm>
-            <a:off x="1174813" y="1216445"/>
-            <a:ext cx="9842374" cy="4630173"/>
+            <a:off x="1336666" y="1417656"/>
+            <a:ext cx="9518670" cy="4533518"/>
           </a:xfrm>
         </p:spPr>
       </p:pic>
     </p:spTree>
     <p:extLst>
       <p:ext uri="{BB962C8B-B14F-4D97-AF65-F5344CB8AC3E}">
-        <p14:creationId xmlns:p14="http://schemas.microsoft.com/office/powerpoint/2010/main" val="2851829466"/>
+        <p14:creationId xmlns:p14="http://schemas.microsoft.com/office/powerpoint/2010/main" val="2803397001"/>
       </p:ext>
     </p:extLst>
   </p:cSld>
@@ -3865,8 +4001,8 @@
         </p:nvSpPr>
         <p:spPr>
           <a:xfrm>
-            <a:off x="1450392" y="167210"/>
-            <a:ext cx="9291215" cy="1049235"/>
+            <a:off x="825692" y="599488"/>
+            <a:ext cx="2961967" cy="2406518"/>
           </a:xfrm>
         </p:spPr>
         <p:txBody>
@@ -3875,7 +4011,7 @@
           <a:p>
             <a:r>
               <a:rPr lang="en-GB" dirty="0"/>
-              <a:t>INFECTION TIMELINE</a:t>
+              <a:t>REAL GDP VS COVID EMERGENCE</a:t>
             </a:r>
             <a:endParaRPr lang="en-NG" dirty="0"/>
           </a:p>
@@ -3883,10 +4019,10 @@
       </p:sp>
       <p:pic>
         <p:nvPicPr>
-          <p:cNvPr id="7" name="Content Placeholder 6">
+          <p:cNvPr id="8" name="Content Placeholder 7">
             <a:extLst>
               <a:ext uri="{FF2B5EF4-FFF2-40B4-BE49-F238E27FC236}">
-                <a16:creationId xmlns:a16="http://schemas.microsoft.com/office/drawing/2014/main" id="{9626A8D9-4189-76BD-C278-48EBEB5AAD10}"/>
+                <a16:creationId xmlns:a16="http://schemas.microsoft.com/office/drawing/2014/main" id="{AF9E07F0-B851-7456-1FCC-90F1BB900121}"/>
               </a:ext>
             </a:extLst>
           </p:cNvPr>
@@ -3905,15 +4041,49 @@
         </p:blipFill>
         <p:spPr>
           <a:xfrm>
-            <a:off x="2625837" y="1216445"/>
-            <a:ext cx="6940326" cy="4848224"/>
+            <a:off x="4206240" y="1802746"/>
+            <a:ext cx="7413674" cy="3768059"/>
           </a:xfrm>
         </p:spPr>
       </p:pic>
+      <p:sp>
+        <p:nvSpPr>
+          <p:cNvPr id="9" name="Text Placeholder 8">
+            <a:extLst>
+              <a:ext uri="{FF2B5EF4-FFF2-40B4-BE49-F238E27FC236}">
+                <a16:creationId xmlns:a16="http://schemas.microsoft.com/office/drawing/2014/main" id="{E24DB7F9-A1F4-14DD-1106-20FF881B2863}"/>
+              </a:ext>
+            </a:extLst>
+          </p:cNvPr>
+          <p:cNvSpPr>
+            <a:spLocks noGrp="1"/>
+          </p:cNvSpPr>
+          <p:nvPr>
+            <p:ph type="body" sz="half" idx="2"/>
+          </p:nvPr>
+        </p:nvSpPr>
+        <p:spPr>
+          <a:xfrm>
+            <a:off x="916984" y="3149220"/>
+            <a:ext cx="2961967" cy="2248181"/>
+          </a:xfrm>
+        </p:spPr>
+        <p:txBody>
+          <a:bodyPr/>
+          <a:lstStyle/>
+          <a:p>
+            <a:r>
+              <a:rPr lang="en-GB" dirty="0"/>
+              <a:t>The emergence of the pandemic coincides sharply with the fall of the Nigerian Real GDP</a:t>
+            </a:r>
+            <a:endParaRPr lang="en-NG" dirty="0"/>
+          </a:p>
+        </p:txBody>
+      </p:sp>
     </p:spTree>
     <p:extLst>
       <p:ext uri="{BB962C8B-B14F-4D97-AF65-F5344CB8AC3E}">
-        <p14:creationId xmlns:p14="http://schemas.microsoft.com/office/powerpoint/2010/main" val="2803397001"/>
+        <p14:creationId xmlns:p14="http://schemas.microsoft.com/office/powerpoint/2010/main" val="2457375588"/>
       </p:ext>
     </p:extLst>
   </p:cSld>
@@ -3945,99 +4115,6 @@
           <p:cNvPr id="2" name="Title 1">
             <a:extLst>
               <a:ext uri="{FF2B5EF4-FFF2-40B4-BE49-F238E27FC236}">
-                <a16:creationId xmlns:a16="http://schemas.microsoft.com/office/drawing/2014/main" id="{3B2A3923-61A1-1BAC-1ADB-3CB468054012}"/>
-              </a:ext>
-            </a:extLst>
-          </p:cNvPr>
-          <p:cNvSpPr>
-            <a:spLocks noGrp="1"/>
-          </p:cNvSpPr>
-          <p:nvPr>
-            <p:ph type="title"/>
-          </p:nvPr>
-        </p:nvSpPr>
-        <p:spPr>
-          <a:xfrm>
-            <a:off x="1450392" y="167210"/>
-            <a:ext cx="9291215" cy="1049235"/>
-          </a:xfrm>
-        </p:spPr>
-        <p:txBody>
-          <a:bodyPr/>
-          <a:lstStyle/>
-          <a:p>
-            <a:r>
-              <a:rPr lang="en-GB" dirty="0"/>
-              <a:t>REAL GDP VS COVID EMERGENCE</a:t>
-            </a:r>
-            <a:endParaRPr lang="en-NG" dirty="0"/>
-          </a:p>
-        </p:txBody>
-      </p:sp>
-      <p:pic>
-        <p:nvPicPr>
-          <p:cNvPr id="6" name="Content Placeholder 5">
-            <a:extLst>
-              <a:ext uri="{FF2B5EF4-FFF2-40B4-BE49-F238E27FC236}">
-                <a16:creationId xmlns:a16="http://schemas.microsoft.com/office/drawing/2014/main" id="{7BFE4958-9F9E-7489-6414-84CFF7CA7131}"/>
-              </a:ext>
-            </a:extLst>
-          </p:cNvPr>
-          <p:cNvPicPr>
-            <a:picLocks noGrp="1" noChangeAspect="1"/>
-          </p:cNvPicPr>
-          <p:nvPr>
-            <p:ph idx="1"/>
-          </p:nvPr>
-        </p:nvPicPr>
-        <p:blipFill>
-          <a:blip r:embed="rId2"/>
-          <a:stretch>
-            <a:fillRect/>
-          </a:stretch>
-        </p:blipFill>
-        <p:spPr>
-          <a:xfrm>
-            <a:off x="2167189" y="1216445"/>
-            <a:ext cx="7857619" cy="4657882"/>
-          </a:xfrm>
-        </p:spPr>
-      </p:pic>
-    </p:spTree>
-    <p:extLst>
-      <p:ext uri="{BB962C8B-B14F-4D97-AF65-F5344CB8AC3E}">
-        <p14:creationId xmlns:p14="http://schemas.microsoft.com/office/powerpoint/2010/main" val="2457375588"/>
-      </p:ext>
-    </p:extLst>
-  </p:cSld>
-  <p:clrMapOvr>
-    <a:masterClrMapping/>
-  </p:clrMapOvr>
-</p:sld>
-</file>
-
-<file path=ppt/slides/slide9.xml><?xml version="1.0" encoding="utf-8"?>
-<p:sld xmlns:a="http://schemas.openxmlformats.org/drawingml/2006/main" xmlns:r="http://schemas.openxmlformats.org/officeDocument/2006/relationships" xmlns:p="http://schemas.openxmlformats.org/presentationml/2006/main">
-  <p:cSld>
-    <p:spTree>
-      <p:nvGrpSpPr>
-        <p:cNvPr id="1" name=""/>
-        <p:cNvGrpSpPr/>
-        <p:nvPr/>
-      </p:nvGrpSpPr>
-      <p:grpSpPr>
-        <a:xfrm>
-          <a:off x="0" y="0"/>
-          <a:ext cx="0" cy="0"/>
-          <a:chOff x="0" y="0"/>
-          <a:chExt cx="0" cy="0"/>
-        </a:xfrm>
-      </p:grpSpPr>
-      <p:sp>
-        <p:nvSpPr>
-          <p:cNvPr id="2" name="Title 1">
-            <a:extLst>
-              <a:ext uri="{FF2B5EF4-FFF2-40B4-BE49-F238E27FC236}">
                 <a16:creationId xmlns:a16="http://schemas.microsoft.com/office/drawing/2014/main" id="{9118C381-25D7-F99C-9B3B-383A0D3ABCBF}"/>
               </a:ext>
             </a:extLst>
@@ -4056,7 +4133,7 @@
           <a:p>
             <a:r>
               <a:rPr lang="en-GB" dirty="0"/>
-              <a:t>SUMMARY</a:t>
+              <a:t>CONCLUSION</a:t>
             </a:r>
             <a:endParaRPr lang="en-NG" dirty="0"/>
           </a:p>
@@ -4081,7 +4158,7 @@
         <p:spPr/>
         <p:txBody>
           <a:bodyPr>
-            <a:normAutofit fontScale="85000" lnSpcReduction="20000"/>
+            <a:normAutofit fontScale="92500" lnSpcReduction="10000"/>
           </a:bodyPr>
           <a:lstStyle/>
           <a:p>
@@ -4215,39 +4292,7 @@
                 </a:solidFill>
                 <a:effectLst/>
                 <a:latin typeface="Times New Roman" panose="02020603050405020304" pitchFamily="18" charset="0"/>
-              </a:rPr>
-              <a:t>1% of infected patients died</a:t>
-            </a:r>
-          </a:p>
-          <a:p>
-            <a:pPr algn="l">
-              <a:buFont typeface="Arial" panose="020B0604020202020204" pitchFamily="34" charset="0"/>
-              <a:buChar char="•"/>
-            </a:pPr>
-            <a:r>
-              <a:rPr lang="en-GB" b="0" i="0" dirty="0">
-                <a:solidFill>
-                  <a:srgbClr val="EEEEEC"/>
-                </a:solidFill>
-                <a:effectLst/>
-                <a:latin typeface="Times New Roman" panose="02020603050405020304" pitchFamily="18" charset="0"/>
-              </a:rPr>
-              <a:t>97.5% of infected patients were discharged</a:t>
-            </a:r>
-          </a:p>
-          <a:p>
-            <a:pPr algn="l">
-              <a:buFont typeface="Arial" panose="020B0604020202020204" pitchFamily="34" charset="0"/>
-              <a:buChar char="•"/>
-            </a:pPr>
-            <a:r>
-              <a:rPr lang="en-GB" b="0" i="0" dirty="0">
-                <a:solidFill>
-                  <a:srgbClr val="EEEEEC"/>
-                </a:solidFill>
-                <a:effectLst/>
-                <a:latin typeface="Times New Roman" panose="02020603050405020304" pitchFamily="18" charset="0"/>
-                <a:hlinkClick r:id="rId5" action="ppaction://hlinksldjump"/>
+                <a:hlinkClick r:id="rId3" action="ppaction://hlinksldjump"/>
               </a:rPr>
               <a:t>Kogi suffered the least damage from COVID with 5 confirmed cases</a:t>
             </a:r>
